--- a/Week 3 - Proofs/Logic.pptx
+++ b/Week 3 - Proofs/Logic.pptx
@@ -220,7 +220,7 @@
           <a:p>
             <a:fld id="{F666E1FD-E7A0-497B-BBC0-740BAAC97C64}" type="datetimeFigureOut">
               <a:rPr lang="en-PH" smtClean="0"/>
-              <a:t>15/04/2024</a:t>
+              <a:t>19/04/2024</a:t>
             </a:fld>
             <a:endParaRPr lang="en-PH"/>
           </a:p>
@@ -2653,7 +2653,7 @@
           <a:p>
             <a:fld id="{0CCF0B81-6BD8-4C65-9459-815598C5F1F4}" type="datetimeFigureOut">
               <a:rPr lang="en-PH" smtClean="0"/>
-              <a:t>15/04/2024</a:t>
+              <a:t>19/04/2024</a:t>
             </a:fld>
             <a:endParaRPr lang="en-PH"/>
           </a:p>
@@ -2853,7 +2853,7 @@
           <a:p>
             <a:fld id="{0CCF0B81-6BD8-4C65-9459-815598C5F1F4}" type="datetimeFigureOut">
               <a:rPr lang="en-PH" smtClean="0"/>
-              <a:t>15/04/2024</a:t>
+              <a:t>19/04/2024</a:t>
             </a:fld>
             <a:endParaRPr lang="en-PH"/>
           </a:p>
@@ -3063,7 +3063,7 @@
           <a:p>
             <a:fld id="{0CCF0B81-6BD8-4C65-9459-815598C5F1F4}" type="datetimeFigureOut">
               <a:rPr lang="en-PH" smtClean="0"/>
-              <a:t>15/04/2024</a:t>
+              <a:t>19/04/2024</a:t>
             </a:fld>
             <a:endParaRPr lang="en-PH"/>
           </a:p>
@@ -3263,7 +3263,7 @@
           <a:p>
             <a:fld id="{0CCF0B81-6BD8-4C65-9459-815598C5F1F4}" type="datetimeFigureOut">
               <a:rPr lang="en-PH" smtClean="0"/>
-              <a:t>15/04/2024</a:t>
+              <a:t>19/04/2024</a:t>
             </a:fld>
             <a:endParaRPr lang="en-PH"/>
           </a:p>
@@ -3539,7 +3539,7 @@
           <a:p>
             <a:fld id="{0CCF0B81-6BD8-4C65-9459-815598C5F1F4}" type="datetimeFigureOut">
               <a:rPr lang="en-PH" smtClean="0"/>
-              <a:t>15/04/2024</a:t>
+              <a:t>19/04/2024</a:t>
             </a:fld>
             <a:endParaRPr lang="en-PH"/>
           </a:p>
@@ -3807,7 +3807,7 @@
           <a:p>
             <a:fld id="{0CCF0B81-6BD8-4C65-9459-815598C5F1F4}" type="datetimeFigureOut">
               <a:rPr lang="en-PH" smtClean="0"/>
-              <a:t>15/04/2024</a:t>
+              <a:t>19/04/2024</a:t>
             </a:fld>
             <a:endParaRPr lang="en-PH"/>
           </a:p>
@@ -4222,7 +4222,7 @@
           <a:p>
             <a:fld id="{0CCF0B81-6BD8-4C65-9459-815598C5F1F4}" type="datetimeFigureOut">
               <a:rPr lang="en-PH" smtClean="0"/>
-              <a:t>15/04/2024</a:t>
+              <a:t>19/04/2024</a:t>
             </a:fld>
             <a:endParaRPr lang="en-PH"/>
           </a:p>
@@ -4364,7 +4364,7 @@
           <a:p>
             <a:fld id="{0CCF0B81-6BD8-4C65-9459-815598C5F1F4}" type="datetimeFigureOut">
               <a:rPr lang="en-PH" smtClean="0"/>
-              <a:t>15/04/2024</a:t>
+              <a:t>19/04/2024</a:t>
             </a:fld>
             <a:endParaRPr lang="en-PH"/>
           </a:p>
@@ -4477,7 +4477,7 @@
           <a:p>
             <a:fld id="{0CCF0B81-6BD8-4C65-9459-815598C5F1F4}" type="datetimeFigureOut">
               <a:rPr lang="en-PH" smtClean="0"/>
-              <a:t>15/04/2024</a:t>
+              <a:t>19/04/2024</a:t>
             </a:fld>
             <a:endParaRPr lang="en-PH"/>
           </a:p>
@@ -4790,7 +4790,7 @@
           <a:p>
             <a:fld id="{0CCF0B81-6BD8-4C65-9459-815598C5F1F4}" type="datetimeFigureOut">
               <a:rPr lang="en-PH" smtClean="0"/>
-              <a:t>15/04/2024</a:t>
+              <a:t>19/04/2024</a:t>
             </a:fld>
             <a:endParaRPr lang="en-PH"/>
           </a:p>
@@ -5079,7 +5079,7 @@
           <a:p>
             <a:fld id="{0CCF0B81-6BD8-4C65-9459-815598C5F1F4}" type="datetimeFigureOut">
               <a:rPr lang="en-PH" smtClean="0"/>
-              <a:t>15/04/2024</a:t>
+              <a:t>19/04/2024</a:t>
             </a:fld>
             <a:endParaRPr lang="en-PH"/>
           </a:p>
@@ -5322,7 +5322,7 @@
           <a:p>
             <a:fld id="{0CCF0B81-6BD8-4C65-9459-815598C5F1F4}" type="datetimeFigureOut">
               <a:rPr lang="en-PH" smtClean="0"/>
-              <a:t>15/04/2024</a:t>
+              <a:t>19/04/2024</a:t>
             </a:fld>
             <a:endParaRPr lang="en-PH"/>
           </a:p>
@@ -6322,8 +6322,8 @@
           </a:p>
         </p:txBody>
       </p:sp>
-      <mc:AlternateContent xmlns:mc="http://schemas.openxmlformats.org/markup-compatibility/2006">
-        <mc:Choice xmlns:a14="http://schemas.microsoft.com/office/drawing/2010/main" Requires="a14">
+      <mc:AlternateContent xmlns:mc="http://schemas.openxmlformats.org/markup-compatibility/2006" xmlns:a14="http://schemas.microsoft.com/office/drawing/2010/main">
+        <mc:Choice Requires="a14">
           <p:sp>
             <p:nvSpPr>
               <p:cNvPr id="22" name="TextBox 21">
@@ -6404,7 +6404,7 @@
             </p:txBody>
           </p:sp>
         </mc:Choice>
-        <mc:Fallback>
+        <mc:Fallback xmlns="">
           <p:sp>
             <p:nvSpPr>
               <p:cNvPr id="22" name="TextBox 21">
@@ -6454,8 +6454,8 @@
           </p:sp>
         </mc:Fallback>
       </mc:AlternateContent>
-      <mc:AlternateContent xmlns:mc="http://schemas.openxmlformats.org/markup-compatibility/2006">
-        <mc:Choice xmlns:a14="http://schemas.microsoft.com/office/drawing/2010/main" Requires="a14">
+      <mc:AlternateContent xmlns:mc="http://schemas.openxmlformats.org/markup-compatibility/2006" xmlns:a14="http://schemas.microsoft.com/office/drawing/2010/main">
+        <mc:Choice Requires="a14">
           <p:sp>
             <p:nvSpPr>
               <p:cNvPr id="23" name="TextBox 22">
@@ -6528,7 +6528,7 @@
             </p:txBody>
           </p:sp>
         </mc:Choice>
-        <mc:Fallback>
+        <mc:Fallback xmlns="">
           <p:sp>
             <p:nvSpPr>
               <p:cNvPr id="23" name="TextBox 22">
@@ -6602,7 +6602,7 @@
               </a:prstGeom>
               <a:ln w="38100">
                 <a:solidFill>
-                  <a:srgbClr val="FF0000"/>
+                  <a:srgbClr val="00B050"/>
                 </a:solidFill>
               </a:ln>
             </p:spPr>
@@ -6691,7 +6691,7 @@
               </a:blipFill>
               <a:ln w="38100">
                 <a:solidFill>
-                  <a:srgbClr val="FF0000"/>
+                  <a:srgbClr val="00B050"/>
                 </a:solidFill>
               </a:ln>
             </p:spPr>
@@ -6710,8 +6710,8 @@
           </p:sp>
         </mc:Fallback>
       </mc:AlternateContent>
-      <mc:AlternateContent xmlns:mc="http://schemas.openxmlformats.org/markup-compatibility/2006">
-        <mc:Choice xmlns:a14="http://schemas.microsoft.com/office/drawing/2010/main" Requires="a14">
+      <mc:AlternateContent xmlns:mc="http://schemas.openxmlformats.org/markup-compatibility/2006" xmlns:a14="http://schemas.microsoft.com/office/drawing/2010/main">
+        <mc:Choice Requires="a14">
           <p:sp>
             <p:nvSpPr>
               <p:cNvPr id="25" name="TextBox 24">
@@ -6806,7 +6806,7 @@
             </p:txBody>
           </p:sp>
         </mc:Choice>
-        <mc:Fallback>
+        <mc:Fallback xmlns="">
           <p:sp>
             <p:nvSpPr>
               <p:cNvPr id="25" name="TextBox 24">
@@ -7197,8 +7197,8 @@
           </a:p>
         </p:txBody>
       </p:sp>
-      <mc:AlternateContent xmlns:mc="http://schemas.openxmlformats.org/markup-compatibility/2006">
-        <mc:Choice xmlns:a14="http://schemas.microsoft.com/office/drawing/2010/main" Requires="a14">
+      <mc:AlternateContent xmlns:mc="http://schemas.openxmlformats.org/markup-compatibility/2006" xmlns:a14="http://schemas.microsoft.com/office/drawing/2010/main">
+        <mc:Choice Requires="a14">
           <p:sp>
             <p:nvSpPr>
               <p:cNvPr id="9" name="TextBox 8">
@@ -7266,7 +7266,7 @@
             </p:txBody>
           </p:sp>
         </mc:Choice>
-        <mc:Fallback>
+        <mc:Fallback xmlns="">
           <p:sp>
             <p:nvSpPr>
               <p:cNvPr id="9" name="TextBox 8">
@@ -7552,8 +7552,8 @@
           </a:p>
         </p:txBody>
       </p:sp>
-      <mc:AlternateContent xmlns:mc="http://schemas.openxmlformats.org/markup-compatibility/2006">
-        <mc:Choice xmlns:a14="http://schemas.microsoft.com/office/drawing/2010/main" Requires="a14">
+      <mc:AlternateContent xmlns:mc="http://schemas.openxmlformats.org/markup-compatibility/2006" xmlns:a14="http://schemas.microsoft.com/office/drawing/2010/main">
+        <mc:Choice Requires="a14">
           <p:sp>
             <p:nvSpPr>
               <p:cNvPr id="6" name="TextBox 5">
@@ -7647,7 +7647,7 @@
             </p:txBody>
           </p:sp>
         </mc:Choice>
-        <mc:Fallback>
+        <mc:Fallback xmlns="">
           <p:sp>
             <p:nvSpPr>
               <p:cNvPr id="6" name="TextBox 5">
@@ -7692,8 +7692,8 @@
           </p:sp>
         </mc:Fallback>
       </mc:AlternateContent>
-      <mc:AlternateContent xmlns:mc="http://schemas.openxmlformats.org/markup-compatibility/2006">
-        <mc:Choice xmlns:a14="http://schemas.microsoft.com/office/drawing/2010/main" Requires="a14">
+      <mc:AlternateContent xmlns:mc="http://schemas.openxmlformats.org/markup-compatibility/2006" xmlns:a14="http://schemas.microsoft.com/office/drawing/2010/main">
+        <mc:Choice Requires="a14">
           <p:sp>
             <p:nvSpPr>
               <p:cNvPr id="9" name="TextBox 8">
@@ -7761,7 +7761,7 @@
             </p:txBody>
           </p:sp>
         </mc:Choice>
-        <mc:Fallback>
+        <mc:Fallback xmlns="">
           <p:sp>
             <p:nvSpPr>
               <p:cNvPr id="9" name="TextBox 8">
@@ -7806,8 +7806,8 @@
           </p:sp>
         </mc:Fallback>
       </mc:AlternateContent>
-      <mc:AlternateContent xmlns:mc="http://schemas.openxmlformats.org/markup-compatibility/2006">
-        <mc:Choice xmlns:a14="http://schemas.microsoft.com/office/drawing/2010/main" Requires="a14">
+      <mc:AlternateContent xmlns:mc="http://schemas.openxmlformats.org/markup-compatibility/2006" xmlns:a14="http://schemas.microsoft.com/office/drawing/2010/main">
+        <mc:Choice Requires="a14">
           <p:sp>
             <p:nvSpPr>
               <p:cNvPr id="14" name="TextBox 13">
@@ -7887,7 +7887,7 @@
             </p:txBody>
           </p:sp>
         </mc:Choice>
-        <mc:Fallback>
+        <mc:Fallback xmlns="">
           <p:sp>
             <p:nvSpPr>
               <p:cNvPr id="14" name="TextBox 13">
@@ -7932,8 +7932,8 @@
           </p:sp>
         </mc:Fallback>
       </mc:AlternateContent>
-      <mc:AlternateContent xmlns:mc="http://schemas.openxmlformats.org/markup-compatibility/2006">
-        <mc:Choice xmlns:a14="http://schemas.microsoft.com/office/drawing/2010/main" Requires="a14">
+      <mc:AlternateContent xmlns:mc="http://schemas.openxmlformats.org/markup-compatibility/2006" xmlns:a14="http://schemas.microsoft.com/office/drawing/2010/main">
+        <mc:Choice Requires="a14">
           <p:sp>
             <p:nvSpPr>
               <p:cNvPr id="3" name="TextBox 2">
@@ -8027,7 +8027,7 @@
             </p:txBody>
           </p:sp>
         </mc:Choice>
-        <mc:Fallback>
+        <mc:Fallback xmlns="">
           <p:sp>
             <p:nvSpPr>
               <p:cNvPr id="3" name="TextBox 2">
@@ -8072,8 +8072,8 @@
           </p:sp>
         </mc:Fallback>
       </mc:AlternateContent>
-      <mc:AlternateContent xmlns:mc="http://schemas.openxmlformats.org/markup-compatibility/2006">
-        <mc:Choice xmlns:a14="http://schemas.microsoft.com/office/drawing/2010/main" Requires="a14">
+      <mc:AlternateContent xmlns:mc="http://schemas.openxmlformats.org/markup-compatibility/2006" xmlns:a14="http://schemas.microsoft.com/office/drawing/2010/main">
+        <mc:Choice Requires="a14">
           <p:sp>
             <p:nvSpPr>
               <p:cNvPr id="5" name="TextBox 4">
@@ -8153,7 +8153,7 @@
             </p:txBody>
           </p:sp>
         </mc:Choice>
-        <mc:Fallback>
+        <mc:Fallback xmlns="">
           <p:sp>
             <p:nvSpPr>
               <p:cNvPr id="5" name="TextBox 4">
@@ -8198,8 +8198,8 @@
           </p:sp>
         </mc:Fallback>
       </mc:AlternateContent>
-      <mc:AlternateContent xmlns:mc="http://schemas.openxmlformats.org/markup-compatibility/2006">
-        <mc:Choice xmlns:a14="http://schemas.microsoft.com/office/drawing/2010/main" Requires="a14">
+      <mc:AlternateContent xmlns:mc="http://schemas.openxmlformats.org/markup-compatibility/2006" xmlns:a14="http://schemas.microsoft.com/office/drawing/2010/main">
+        <mc:Choice Requires="a14">
           <p:sp>
             <p:nvSpPr>
               <p:cNvPr id="7" name="TextBox 6">
@@ -8293,7 +8293,7 @@
             </p:txBody>
           </p:sp>
         </mc:Choice>
-        <mc:Fallback>
+        <mc:Fallback xmlns="">
           <p:sp>
             <p:nvSpPr>
               <p:cNvPr id="7" name="TextBox 6">
@@ -8338,8 +8338,8 @@
           </p:sp>
         </mc:Fallback>
       </mc:AlternateContent>
-      <mc:AlternateContent xmlns:mc="http://schemas.openxmlformats.org/markup-compatibility/2006">
-        <mc:Choice xmlns:a14="http://schemas.microsoft.com/office/drawing/2010/main" Requires="a14">
+      <mc:AlternateContent xmlns:mc="http://schemas.openxmlformats.org/markup-compatibility/2006" xmlns:a14="http://schemas.microsoft.com/office/drawing/2010/main">
+        <mc:Choice Requires="a14">
           <p:sp>
             <p:nvSpPr>
               <p:cNvPr id="8" name="TextBox 7">
@@ -8447,7 +8447,7 @@
             </p:txBody>
           </p:sp>
         </mc:Choice>
-        <mc:Fallback>
+        <mc:Fallback xmlns="">
           <p:sp>
             <p:nvSpPr>
               <p:cNvPr id="8" name="TextBox 7">
@@ -8492,8 +8492,8 @@
           </p:sp>
         </mc:Fallback>
       </mc:AlternateContent>
-      <mc:AlternateContent xmlns:mc="http://schemas.openxmlformats.org/markup-compatibility/2006">
-        <mc:Choice xmlns:a14="http://schemas.microsoft.com/office/drawing/2010/main" Requires="a14">
+      <mc:AlternateContent xmlns:mc="http://schemas.openxmlformats.org/markup-compatibility/2006" xmlns:a14="http://schemas.microsoft.com/office/drawing/2010/main">
+        <mc:Choice Requires="a14">
           <p:sp>
             <p:nvSpPr>
               <p:cNvPr id="10" name="TextBox 9">
@@ -8629,7 +8629,7 @@
             </p:txBody>
           </p:sp>
         </mc:Choice>
-        <mc:Fallback>
+        <mc:Fallback xmlns="">
           <p:sp>
             <p:nvSpPr>
               <p:cNvPr id="10" name="TextBox 9">
@@ -8674,8 +8674,8 @@
           </p:sp>
         </mc:Fallback>
       </mc:AlternateContent>
-      <mc:AlternateContent xmlns:mc="http://schemas.openxmlformats.org/markup-compatibility/2006">
-        <mc:Choice xmlns:a14="http://schemas.microsoft.com/office/drawing/2010/main" Requires="a14">
+      <mc:AlternateContent xmlns:mc="http://schemas.openxmlformats.org/markup-compatibility/2006" xmlns:a14="http://schemas.microsoft.com/office/drawing/2010/main">
+        <mc:Choice Requires="a14">
           <p:sp>
             <p:nvSpPr>
               <p:cNvPr id="11" name="TextBox 10">
@@ -8811,7 +8811,7 @@
             </p:txBody>
           </p:sp>
         </mc:Choice>
-        <mc:Fallback>
+        <mc:Fallback xmlns="">
           <p:sp>
             <p:nvSpPr>
               <p:cNvPr id="11" name="TextBox 10">
@@ -8856,8 +8856,8 @@
           </p:sp>
         </mc:Fallback>
       </mc:AlternateContent>
-      <mc:AlternateContent xmlns:mc="http://schemas.openxmlformats.org/markup-compatibility/2006">
-        <mc:Choice xmlns:a14="http://schemas.microsoft.com/office/drawing/2010/main" Requires="a14">
+      <mc:AlternateContent xmlns:mc="http://schemas.openxmlformats.org/markup-compatibility/2006" xmlns:a14="http://schemas.microsoft.com/office/drawing/2010/main">
+        <mc:Choice Requires="a14">
           <p:sp>
             <p:nvSpPr>
               <p:cNvPr id="12" name="TextBox 11">
@@ -8993,7 +8993,7 @@
             </p:txBody>
           </p:sp>
         </mc:Choice>
-        <mc:Fallback>
+        <mc:Fallback xmlns="">
           <p:sp>
             <p:nvSpPr>
               <p:cNvPr id="12" name="TextBox 11">
@@ -9163,8 +9163,8 @@
           </a:p>
         </p:txBody>
       </p:sp>
-      <mc:AlternateContent xmlns:mc="http://schemas.openxmlformats.org/markup-compatibility/2006">
-        <mc:Choice xmlns:a14="http://schemas.microsoft.com/office/drawing/2010/main" Requires="a14">
+      <mc:AlternateContent xmlns:mc="http://schemas.openxmlformats.org/markup-compatibility/2006" xmlns:a14="http://schemas.microsoft.com/office/drawing/2010/main">
+        <mc:Choice Requires="a14">
           <p:sp>
             <p:nvSpPr>
               <p:cNvPr id="9" name="TextBox 8">
@@ -9232,7 +9232,7 @@
             </p:txBody>
           </p:sp>
         </mc:Choice>
-        <mc:Fallback>
+        <mc:Fallback xmlns="">
           <p:sp>
             <p:nvSpPr>
               <p:cNvPr id="9" name="TextBox 8">
@@ -9445,8 +9445,8 @@
           </a:p>
         </p:txBody>
       </p:sp>
-      <mc:AlternateContent xmlns:mc="http://schemas.openxmlformats.org/markup-compatibility/2006">
-        <mc:Choice xmlns:a14="http://schemas.microsoft.com/office/drawing/2010/main" Requires="a14">
+      <mc:AlternateContent xmlns:mc="http://schemas.openxmlformats.org/markup-compatibility/2006" xmlns:a14="http://schemas.microsoft.com/office/drawing/2010/main">
+        <mc:Choice Requires="a14">
           <p:sp>
             <p:nvSpPr>
               <p:cNvPr id="6" name="TextBox 5">
@@ -9610,7 +9610,7 @@
             </p:txBody>
           </p:sp>
         </mc:Choice>
-        <mc:Fallback>
+        <mc:Fallback xmlns="">
           <p:sp>
             <p:nvSpPr>
               <p:cNvPr id="6" name="TextBox 5">
@@ -9655,8 +9655,8 @@
           </p:sp>
         </mc:Fallback>
       </mc:AlternateContent>
-      <mc:AlternateContent xmlns:mc="http://schemas.openxmlformats.org/markup-compatibility/2006">
-        <mc:Choice xmlns:a14="http://schemas.microsoft.com/office/drawing/2010/main" Requires="a14">
+      <mc:AlternateContent xmlns:mc="http://schemas.openxmlformats.org/markup-compatibility/2006" xmlns:a14="http://schemas.microsoft.com/office/drawing/2010/main">
+        <mc:Choice Requires="a14">
           <p:sp>
             <p:nvSpPr>
               <p:cNvPr id="9" name="TextBox 8">
@@ -9724,7 +9724,7 @@
             </p:txBody>
           </p:sp>
         </mc:Choice>
-        <mc:Fallback>
+        <mc:Fallback xmlns="">
           <p:sp>
             <p:nvSpPr>
               <p:cNvPr id="9" name="TextBox 8">
@@ -9769,8 +9769,8 @@
           </p:sp>
         </mc:Fallback>
       </mc:AlternateContent>
-      <mc:AlternateContent xmlns:mc="http://schemas.openxmlformats.org/markup-compatibility/2006">
-        <mc:Choice xmlns:a14="http://schemas.microsoft.com/office/drawing/2010/main" Requires="a14">
+      <mc:AlternateContent xmlns:mc="http://schemas.openxmlformats.org/markup-compatibility/2006" xmlns:a14="http://schemas.microsoft.com/office/drawing/2010/main">
+        <mc:Choice Requires="a14">
           <p:sp>
             <p:nvSpPr>
               <p:cNvPr id="14" name="TextBox 13">
@@ -9934,7 +9934,7 @@
             </p:txBody>
           </p:sp>
         </mc:Choice>
-        <mc:Fallback>
+        <mc:Fallback xmlns="">
           <p:sp>
             <p:nvSpPr>
               <p:cNvPr id="14" name="TextBox 13">
@@ -9979,8 +9979,8 @@
           </p:sp>
         </mc:Fallback>
       </mc:AlternateContent>
-      <mc:AlternateContent xmlns:mc="http://schemas.openxmlformats.org/markup-compatibility/2006">
-        <mc:Choice xmlns:a14="http://schemas.microsoft.com/office/drawing/2010/main" Requires="a14">
+      <mc:AlternateContent xmlns:mc="http://schemas.openxmlformats.org/markup-compatibility/2006" xmlns:a14="http://schemas.microsoft.com/office/drawing/2010/main">
+        <mc:Choice Requires="a14">
           <p:sp>
             <p:nvSpPr>
               <p:cNvPr id="3" name="TextBox 2">
@@ -10088,7 +10088,7 @@
             </p:txBody>
           </p:sp>
         </mc:Choice>
-        <mc:Fallback>
+        <mc:Fallback xmlns="">
           <p:sp>
             <p:nvSpPr>
               <p:cNvPr id="3" name="TextBox 2">
@@ -10133,8 +10133,8 @@
           </p:sp>
         </mc:Fallback>
       </mc:AlternateContent>
-      <mc:AlternateContent xmlns:mc="http://schemas.openxmlformats.org/markup-compatibility/2006">
-        <mc:Choice xmlns:a14="http://schemas.microsoft.com/office/drawing/2010/main" Requires="a14">
+      <mc:AlternateContent xmlns:mc="http://schemas.openxmlformats.org/markup-compatibility/2006" xmlns:a14="http://schemas.microsoft.com/office/drawing/2010/main">
+        <mc:Choice Requires="a14">
           <p:sp>
             <p:nvSpPr>
               <p:cNvPr id="5" name="TextBox 4">
@@ -10256,7 +10256,7 @@
             </p:txBody>
           </p:sp>
         </mc:Choice>
-        <mc:Fallback>
+        <mc:Fallback xmlns="">
           <p:sp>
             <p:nvSpPr>
               <p:cNvPr id="5" name="TextBox 4">
@@ -10301,8 +10301,8 @@
           </p:sp>
         </mc:Fallback>
       </mc:AlternateContent>
-      <mc:AlternateContent xmlns:mc="http://schemas.openxmlformats.org/markup-compatibility/2006">
-        <mc:Choice xmlns:a14="http://schemas.microsoft.com/office/drawing/2010/main" Requires="a14">
+      <mc:AlternateContent xmlns:mc="http://schemas.openxmlformats.org/markup-compatibility/2006" xmlns:a14="http://schemas.microsoft.com/office/drawing/2010/main">
+        <mc:Choice Requires="a14">
           <p:sp>
             <p:nvSpPr>
               <p:cNvPr id="7" name="TextBox 6">
@@ -10438,7 +10438,7 @@
             </p:txBody>
           </p:sp>
         </mc:Choice>
-        <mc:Fallback>
+        <mc:Fallback xmlns="">
           <p:sp>
             <p:nvSpPr>
               <p:cNvPr id="7" name="TextBox 6">
@@ -15050,8 +15050,8 @@
           </a:p>
         </p:txBody>
       </p:sp>
-      <mc:AlternateContent xmlns:mc="http://schemas.openxmlformats.org/markup-compatibility/2006">
-        <mc:Choice xmlns:a14="http://schemas.microsoft.com/office/drawing/2010/main" Requires="a14">
+      <mc:AlternateContent xmlns:mc="http://schemas.openxmlformats.org/markup-compatibility/2006" xmlns:a14="http://schemas.microsoft.com/office/drawing/2010/main">
+        <mc:Choice Requires="a14">
           <p:sp>
             <p:nvSpPr>
               <p:cNvPr id="11" name="TextBox 10">
@@ -15119,7 +15119,7 @@
             </p:txBody>
           </p:sp>
         </mc:Choice>
-        <mc:Fallback>
+        <mc:Fallback xmlns="">
           <p:sp>
             <p:nvSpPr>
               <p:cNvPr id="11" name="TextBox 10">
@@ -15164,8 +15164,8 @@
           </p:sp>
         </mc:Fallback>
       </mc:AlternateContent>
-      <mc:AlternateContent xmlns:mc="http://schemas.openxmlformats.org/markup-compatibility/2006">
-        <mc:Choice xmlns:a14="http://schemas.microsoft.com/office/drawing/2010/main" Requires="a14">
+      <mc:AlternateContent xmlns:mc="http://schemas.openxmlformats.org/markup-compatibility/2006" xmlns:a14="http://schemas.microsoft.com/office/drawing/2010/main">
+        <mc:Choice Requires="a14">
           <p:sp>
             <p:nvSpPr>
               <p:cNvPr id="13" name="TextBox 12">
@@ -15245,7 +15245,7 @@
             </p:txBody>
           </p:sp>
         </mc:Choice>
-        <mc:Fallback>
+        <mc:Fallback xmlns="">
           <p:sp>
             <p:nvSpPr>
               <p:cNvPr id="13" name="TextBox 12">
@@ -15415,8 +15415,8 @@
           </a:p>
         </p:txBody>
       </p:sp>
-      <mc:AlternateContent xmlns:mc="http://schemas.openxmlformats.org/markup-compatibility/2006">
-        <mc:Choice xmlns:a14="http://schemas.microsoft.com/office/drawing/2010/main" Requires="a14">
+      <mc:AlternateContent xmlns:mc="http://schemas.openxmlformats.org/markup-compatibility/2006" xmlns:a14="http://schemas.microsoft.com/office/drawing/2010/main">
+        <mc:Choice Requires="a14">
           <p:sp>
             <p:nvSpPr>
               <p:cNvPr id="16" name="TextBox 15">
@@ -15492,7 +15492,7 @@
             </p:txBody>
           </p:sp>
         </mc:Choice>
-        <mc:Fallback>
+        <mc:Fallback xmlns="">
           <p:sp>
             <p:nvSpPr>
               <p:cNvPr id="16" name="TextBox 15">
@@ -15537,8 +15537,8 @@
           </p:sp>
         </mc:Fallback>
       </mc:AlternateContent>
-      <mc:AlternateContent xmlns:mc="http://schemas.openxmlformats.org/markup-compatibility/2006">
-        <mc:Choice xmlns:a14="http://schemas.microsoft.com/office/drawing/2010/main" Requires="a14">
+      <mc:AlternateContent xmlns:mc="http://schemas.openxmlformats.org/markup-compatibility/2006" xmlns:a14="http://schemas.microsoft.com/office/drawing/2010/main">
+        <mc:Choice Requires="a14">
           <p:sp>
             <p:nvSpPr>
               <p:cNvPr id="18" name="TextBox 17">
@@ -15633,7 +15633,7 @@
             </p:txBody>
           </p:sp>
         </mc:Choice>
-        <mc:Fallback>
+        <mc:Fallback xmlns="">
           <p:sp>
             <p:nvSpPr>
               <p:cNvPr id="18" name="TextBox 17">
@@ -16064,8 +16064,8 @@
           </a:p>
         </p:txBody>
       </p:sp>
-      <mc:AlternateContent xmlns:mc="http://schemas.openxmlformats.org/markup-compatibility/2006">
-        <mc:Choice xmlns:a14="http://schemas.microsoft.com/office/drawing/2010/main" Requires="a14">
+      <mc:AlternateContent xmlns:mc="http://schemas.openxmlformats.org/markup-compatibility/2006" xmlns:a14="http://schemas.microsoft.com/office/drawing/2010/main">
+        <mc:Choice Requires="a14">
           <p:graphicFrame>
             <p:nvGraphicFramePr>
               <p:cNvPr id="14" name="Table 13">
@@ -16334,7 +16334,7 @@
             </a:graphic>
           </p:graphicFrame>
         </mc:Choice>
-        <mc:Fallback>
+        <mc:Fallback xmlns="">
           <p:graphicFrame>
             <p:nvGraphicFramePr>
               <p:cNvPr id="14" name="Table 13">
@@ -16709,8 +16709,8 @@
           </a:p>
         </p:txBody>
       </p:sp>
-      <mc:AlternateContent xmlns:mc="http://schemas.openxmlformats.org/markup-compatibility/2006">
-        <mc:Choice xmlns:a14="http://schemas.microsoft.com/office/drawing/2010/main" Requires="a14">
+      <mc:AlternateContent xmlns:mc="http://schemas.openxmlformats.org/markup-compatibility/2006" xmlns:a14="http://schemas.microsoft.com/office/drawing/2010/main">
+        <mc:Choice Requires="a14">
           <p:sp>
             <p:nvSpPr>
               <p:cNvPr id="10" name="TextBox 9">
@@ -16829,7 +16829,7 @@
                       </m:r>
                       <m:r>
                         <a:rPr lang="en-US" sz="2400" i="0" dirty="0">
-                          <a:latin typeface="Calibri (Body)"/>
+                          <a:latin typeface="Cambria Math" panose="02040503050406030204" pitchFamily="18" charset="0"/>
                         </a:rPr>
                         <m:t> </m:t>
                       </m:r>
@@ -16838,7 +16838,7 @@
                           <m:sty m:val="p"/>
                         </m:rPr>
                         <a:rPr lang="en-US" sz="2400" i="0" dirty="0">
-                          <a:latin typeface="Calibri (Body)"/>
+                          <a:latin typeface="Cambria Math" panose="02040503050406030204" pitchFamily="18" charset="0"/>
                         </a:rPr>
                         <m:t>x</m:t>
                       </m:r>
@@ -16853,7 +16853,7 @@
                       </m:r>
                       <m:r>
                         <a:rPr lang="en-US" sz="2400" i="0" dirty="0">
-                          <a:latin typeface="Calibri (Body)"/>
+                          <a:latin typeface="Cambria Math" panose="02040503050406030204" pitchFamily="18" charset="0"/>
                         </a:rPr>
                         <m:t>   </m:t>
                       </m:r>
@@ -16862,13 +16862,13 @@
                           <m:sty m:val="p"/>
                         </m:rPr>
                         <a:rPr lang="en-US" sz="2400" i="0" dirty="0">
-                          <a:latin typeface="Calibri (Body)"/>
+                          <a:latin typeface="Cambria Math" panose="02040503050406030204" pitchFamily="18" charset="0"/>
                         </a:rPr>
                         <m:t>x</m:t>
                       </m:r>
                       <m:r>
                         <a:rPr lang="en-US" sz="2400" i="0" dirty="0">
-                          <a:latin typeface="Calibri (Body)"/>
+                          <a:latin typeface="Cambria Math" panose="02040503050406030204" pitchFamily="18" charset="0"/>
                         </a:rPr>
                         <m:t> </m:t>
                       </m:r>
@@ -16877,13 +16877,13 @@
                           <m:sty m:val="p"/>
                         </m:rPr>
                         <a:rPr lang="en-US" sz="2400" i="0" dirty="0">
-                          <a:latin typeface="Calibri (Body)"/>
+                          <a:latin typeface="Cambria Math" panose="02040503050406030204" pitchFamily="18" charset="0"/>
                         </a:rPr>
                         <m:t>squared</m:t>
                       </m:r>
                       <m:r>
                         <a:rPr lang="en-US" sz="2400" i="0" dirty="0">
-                          <a:latin typeface="Calibri (Body)"/>
+                          <a:latin typeface="Cambria Math" panose="02040503050406030204" pitchFamily="18" charset="0"/>
                         </a:rPr>
                         <m:t> </m:t>
                       </m:r>
@@ -16892,13 +16892,13 @@
                           <m:sty m:val="p"/>
                         </m:rPr>
                         <a:rPr lang="en-US" sz="2400" i="0" dirty="0">
-                          <a:latin typeface="Calibri (Body)"/>
+                          <a:latin typeface="Cambria Math" panose="02040503050406030204" pitchFamily="18" charset="0"/>
                         </a:rPr>
                         <m:t>is</m:t>
                       </m:r>
                       <m:r>
                         <a:rPr lang="en-US" sz="2400" i="0" dirty="0">
-                          <a:latin typeface="Calibri (Body)"/>
+                          <a:latin typeface="Cambria Math" panose="02040503050406030204" pitchFamily="18" charset="0"/>
                         </a:rPr>
                         <m:t> </m:t>
                       </m:r>
@@ -16907,13 +16907,13 @@
                           <m:sty m:val="p"/>
                         </m:rPr>
                         <a:rPr lang="en-US" sz="2400" i="0" dirty="0">
-                          <a:latin typeface="Calibri (Body)"/>
+                          <a:latin typeface="Cambria Math" panose="02040503050406030204" pitchFamily="18" charset="0"/>
                         </a:rPr>
                         <m:t>greater</m:t>
                       </m:r>
                       <m:r>
                         <a:rPr lang="en-US" sz="2400" i="0" dirty="0">
-                          <a:latin typeface="Calibri (Body)"/>
+                          <a:latin typeface="Cambria Math" panose="02040503050406030204" pitchFamily="18" charset="0"/>
                         </a:rPr>
                         <m:t> </m:t>
                       </m:r>
@@ -16922,13 +16922,13 @@
                           <m:sty m:val="p"/>
                         </m:rPr>
                         <a:rPr lang="en-US" sz="2400" i="0" dirty="0">
-                          <a:latin typeface="Calibri (Body)"/>
+                          <a:latin typeface="Cambria Math" panose="02040503050406030204" pitchFamily="18" charset="0"/>
                         </a:rPr>
                         <m:t>than</m:t>
                       </m:r>
                       <m:r>
                         <a:rPr lang="en-US" sz="2400" i="0" dirty="0">
-                          <a:latin typeface="Calibri (Body)"/>
+                          <a:latin typeface="Cambria Math" panose="02040503050406030204" pitchFamily="18" charset="0"/>
                         </a:rPr>
                         <m:t> </m:t>
                       </m:r>
@@ -16937,13 +16937,13 @@
                           <m:sty m:val="p"/>
                         </m:rPr>
                         <a:rPr lang="en-US" sz="2400" i="0" dirty="0">
-                          <a:latin typeface="Calibri (Body)"/>
+                          <a:latin typeface="Cambria Math" panose="02040503050406030204" pitchFamily="18" charset="0"/>
                         </a:rPr>
                         <m:t>or</m:t>
                       </m:r>
                       <m:r>
                         <a:rPr lang="en-US" sz="2400" i="0" dirty="0">
-                          <a:latin typeface="Calibri (Body)"/>
+                          <a:latin typeface="Cambria Math" panose="02040503050406030204" pitchFamily="18" charset="0"/>
                         </a:rPr>
                         <m:t> </m:t>
                       </m:r>
@@ -16952,13 +16952,13 @@
                           <m:sty m:val="p"/>
                         </m:rPr>
                         <a:rPr lang="en-US" sz="2400" i="0" dirty="0">
-                          <a:latin typeface="Calibri (Body)"/>
+                          <a:latin typeface="Cambria Math" panose="02040503050406030204" pitchFamily="18" charset="0"/>
                         </a:rPr>
                         <m:t>equal</m:t>
                       </m:r>
                       <m:r>
                         <a:rPr lang="en-US" sz="2400" i="0" dirty="0">
-                          <a:latin typeface="Calibri (Body)"/>
+                          <a:latin typeface="Cambria Math" panose="02040503050406030204" pitchFamily="18" charset="0"/>
                         </a:rPr>
                         <m:t> </m:t>
                       </m:r>
@@ -16967,13 +16967,13 @@
                           <m:sty m:val="p"/>
                         </m:rPr>
                         <a:rPr lang="en-US" sz="2400" i="0" dirty="0">
-                          <a:latin typeface="Calibri (Body)"/>
+                          <a:latin typeface="Cambria Math" panose="02040503050406030204" pitchFamily="18" charset="0"/>
                         </a:rPr>
                         <m:t>to</m:t>
                       </m:r>
                       <m:r>
                         <a:rPr lang="en-US" sz="2400" i="0" dirty="0">
-                          <a:latin typeface="Calibri (Body)"/>
+                          <a:latin typeface="Cambria Math" panose="02040503050406030204" pitchFamily="18" charset="0"/>
                         </a:rPr>
                         <m:t> </m:t>
                       </m:r>
@@ -16982,7 +16982,7 @@
                           <m:sty m:val="p"/>
                         </m:rPr>
                         <a:rPr lang="en-US" sz="2400" i="0" dirty="0">
-                          <a:latin typeface="Calibri (Body)"/>
+                          <a:latin typeface="Cambria Math" panose="02040503050406030204" pitchFamily="18" charset="0"/>
                         </a:rPr>
                         <m:t>zero</m:t>
                       </m:r>
@@ -16996,7 +16996,7 @@
             </p:txBody>
           </p:sp>
         </mc:Choice>
-        <mc:Fallback>
+        <mc:Fallback xmlns="">
           <p:sp>
             <p:nvSpPr>
               <p:cNvPr id="10" name="TextBox 9">
@@ -17041,8 +17041,8 @@
           </p:sp>
         </mc:Fallback>
       </mc:AlternateContent>
-      <mc:AlternateContent xmlns:mc="http://schemas.openxmlformats.org/markup-compatibility/2006">
-        <mc:Choice xmlns:a14="http://schemas.microsoft.com/office/drawing/2010/main" Requires="a14">
+      <mc:AlternateContent xmlns:mc="http://schemas.openxmlformats.org/markup-compatibility/2006" xmlns:a14="http://schemas.microsoft.com/office/drawing/2010/main">
+        <mc:Choice Requires="a14">
           <p:sp>
             <p:nvSpPr>
               <p:cNvPr id="6" name="TextBox 5">
@@ -17180,7 +17180,7 @@
             </p:txBody>
           </p:sp>
         </mc:Choice>
-        <mc:Fallback>
+        <mc:Fallback xmlns="">
           <p:sp>
             <p:nvSpPr>
               <p:cNvPr id="6" name="TextBox 5">
@@ -17557,8 +17557,8 @@
           </a:p>
         </p:txBody>
       </p:sp>
-      <mc:AlternateContent xmlns:mc="http://schemas.openxmlformats.org/markup-compatibility/2006">
-        <mc:Choice xmlns:a14="http://schemas.microsoft.com/office/drawing/2010/main" Requires="a14">
+      <mc:AlternateContent xmlns:mc="http://schemas.openxmlformats.org/markup-compatibility/2006" xmlns:a14="http://schemas.microsoft.com/office/drawing/2010/main">
+        <mc:Choice Requires="a14">
           <p:sp>
             <p:nvSpPr>
               <p:cNvPr id="7" name="TextBox 6">
@@ -17675,7 +17675,7 @@
             </p:txBody>
           </p:sp>
         </mc:Choice>
-        <mc:Fallback>
+        <mc:Fallback xmlns="">
           <p:sp>
             <p:nvSpPr>
               <p:cNvPr id="7" name="TextBox 6">
@@ -18197,8 +18197,8 @@
           </a:p>
         </p:txBody>
       </p:sp>
-      <mc:AlternateContent xmlns:mc="http://schemas.openxmlformats.org/markup-compatibility/2006">
-        <mc:Choice xmlns:a14="http://schemas.microsoft.com/office/drawing/2010/main" Requires="a14">
+      <mc:AlternateContent xmlns:mc="http://schemas.openxmlformats.org/markup-compatibility/2006" xmlns:a14="http://schemas.microsoft.com/office/drawing/2010/main">
+        <mc:Choice Requires="a14">
           <p:sp>
             <p:nvSpPr>
               <p:cNvPr id="6" name="TextBox 5">
@@ -18357,7 +18357,7 @@
             </p:txBody>
           </p:sp>
         </mc:Choice>
-        <mc:Fallback>
+        <mc:Fallback xmlns="">
           <p:sp>
             <p:nvSpPr>
               <p:cNvPr id="6" name="TextBox 5">
@@ -18483,8 +18483,8 @@
           </a:p>
         </p:txBody>
       </p:sp>
-      <mc:AlternateContent xmlns:mc="http://schemas.openxmlformats.org/markup-compatibility/2006">
-        <mc:Choice xmlns:a14="http://schemas.microsoft.com/office/drawing/2010/main" Requires="a14">
+      <mc:AlternateContent xmlns:mc="http://schemas.openxmlformats.org/markup-compatibility/2006" xmlns:a14="http://schemas.microsoft.com/office/drawing/2010/main">
+        <mc:Choice Requires="a14">
           <p:sp>
             <p:nvSpPr>
               <p:cNvPr id="9" name="TextBox 8">
@@ -18621,7 +18621,7 @@
             </p:txBody>
           </p:sp>
         </mc:Choice>
-        <mc:Fallback>
+        <mc:Fallback xmlns="">
           <p:sp>
             <p:nvSpPr>
               <p:cNvPr id="9" name="TextBox 8">
@@ -18951,8 +18951,8 @@
           </a:p>
         </p:txBody>
       </p:sp>
-      <mc:AlternateContent xmlns:mc="http://schemas.openxmlformats.org/markup-compatibility/2006">
-        <mc:Choice xmlns:a14="http://schemas.microsoft.com/office/drawing/2010/main" Requires="a14">
+      <mc:AlternateContent xmlns:mc="http://schemas.openxmlformats.org/markup-compatibility/2006" xmlns:a14="http://schemas.microsoft.com/office/drawing/2010/main">
+        <mc:Choice Requires="a14">
           <p:sp>
             <p:nvSpPr>
               <p:cNvPr id="14" name="TextBox 13">
@@ -19111,7 +19111,7 @@
             </p:txBody>
           </p:sp>
         </mc:Choice>
-        <mc:Fallback>
+        <mc:Fallback xmlns="">
           <p:sp>
             <p:nvSpPr>
               <p:cNvPr id="14" name="TextBox 13">
@@ -19156,8 +19156,8 @@
           </p:sp>
         </mc:Fallback>
       </mc:AlternateContent>
-      <mc:AlternateContent xmlns:mc="http://schemas.openxmlformats.org/markup-compatibility/2006">
-        <mc:Choice xmlns:a14="http://schemas.microsoft.com/office/drawing/2010/main" Requires="a14">
+      <mc:AlternateContent xmlns:mc="http://schemas.openxmlformats.org/markup-compatibility/2006" xmlns:a14="http://schemas.microsoft.com/office/drawing/2010/main">
+        <mc:Choice Requires="a14">
           <p:sp>
             <p:nvSpPr>
               <p:cNvPr id="15" name="TextBox 14">
@@ -19217,7 +19217,7 @@
             </p:txBody>
           </p:sp>
         </mc:Choice>
-        <mc:Fallback>
+        <mc:Fallback xmlns="">
           <p:sp>
             <p:nvSpPr>
               <p:cNvPr id="15" name="TextBox 14">
@@ -19858,8 +19858,8 @@
           </a:p>
         </p:txBody>
       </p:sp>
-      <mc:AlternateContent xmlns:mc="http://schemas.openxmlformats.org/markup-compatibility/2006">
-        <mc:Choice xmlns:a14="http://schemas.microsoft.com/office/drawing/2010/main" Requires="a14">
+      <mc:AlternateContent xmlns:mc="http://schemas.openxmlformats.org/markup-compatibility/2006" xmlns:a14="http://schemas.microsoft.com/office/drawing/2010/main">
+        <mc:Choice Requires="a14">
           <p:sp>
             <p:nvSpPr>
               <p:cNvPr id="16" name="TextBox 15">
@@ -20078,7 +20078,7 @@
             </p:txBody>
           </p:sp>
         </mc:Choice>
-        <mc:Fallback>
+        <mc:Fallback xmlns="">
           <p:sp>
             <p:nvSpPr>
               <p:cNvPr id="16" name="TextBox 15">
@@ -20124,8 +20124,8 @@
           </p:sp>
         </mc:Fallback>
       </mc:AlternateContent>
-      <mc:AlternateContent xmlns:mc="http://schemas.openxmlformats.org/markup-compatibility/2006">
-        <mc:Choice xmlns:a14="http://schemas.microsoft.com/office/drawing/2010/main" Requires="a14">
+      <mc:AlternateContent xmlns:mc="http://schemas.openxmlformats.org/markup-compatibility/2006" xmlns:a14="http://schemas.microsoft.com/office/drawing/2010/main">
+        <mc:Choice Requires="a14">
           <p:sp>
             <p:nvSpPr>
               <p:cNvPr id="3" name="TextBox 2">
@@ -20331,7 +20331,7 @@
             </p:txBody>
           </p:sp>
         </mc:Choice>
-        <mc:Fallback>
+        <mc:Fallback xmlns="">
           <p:sp>
             <p:nvSpPr>
               <p:cNvPr id="3" name="TextBox 2">
@@ -20661,8 +20661,8 @@
           </a:p>
         </p:txBody>
       </p:sp>
-      <mc:AlternateContent xmlns:mc="http://schemas.openxmlformats.org/markup-compatibility/2006">
-        <mc:Choice xmlns:a14="http://schemas.microsoft.com/office/drawing/2010/main" Requires="a14">
+      <mc:AlternateContent xmlns:mc="http://schemas.openxmlformats.org/markup-compatibility/2006" xmlns:a14="http://schemas.microsoft.com/office/drawing/2010/main">
+        <mc:Choice Requires="a14">
           <p:sp>
             <p:nvSpPr>
               <p:cNvPr id="5" name="TextBox 4">
@@ -20741,7 +20741,7 @@
                     </m:r>
                     <m:r>
                       <a:rPr lang="en-US" sz="3000" b="0" i="1" smtClean="0">
-                        <a:latin typeface="Calibri (Body)"/>
+                        <a:latin typeface="Cambria Math" panose="02040503050406030204" pitchFamily="18" charset="0"/>
                       </a:rPr>
                       <m:t>𝑎𝑛𝑑</m:t>
                     </m:r>
@@ -20771,7 +20771,7 @@
             </p:txBody>
           </p:sp>
         </mc:Choice>
-        <mc:Fallback>
+        <mc:Fallback xmlns="">
           <p:sp>
             <p:nvSpPr>
               <p:cNvPr id="5" name="TextBox 4">
@@ -20816,8 +20816,8 @@
           </p:sp>
         </mc:Fallback>
       </mc:AlternateContent>
-      <mc:AlternateContent xmlns:mc="http://schemas.openxmlformats.org/markup-compatibility/2006">
-        <mc:Choice xmlns:a14="http://schemas.microsoft.com/office/drawing/2010/main" Requires="a14">
+      <mc:AlternateContent xmlns:mc="http://schemas.openxmlformats.org/markup-compatibility/2006" xmlns:a14="http://schemas.microsoft.com/office/drawing/2010/main">
+        <mc:Choice Requires="a14">
           <p:sp>
             <p:nvSpPr>
               <p:cNvPr id="8" name="TextBox 7">
@@ -20922,7 +20922,7 @@
             </p:txBody>
           </p:sp>
         </mc:Choice>
-        <mc:Fallback>
+        <mc:Fallback xmlns="">
           <p:sp>
             <p:nvSpPr>
               <p:cNvPr id="8" name="TextBox 7">
@@ -21092,8 +21092,8 @@
           </a:p>
         </p:txBody>
       </p:sp>
-      <mc:AlternateContent xmlns:mc="http://schemas.openxmlformats.org/markup-compatibility/2006">
-        <mc:Choice xmlns:a14="http://schemas.microsoft.com/office/drawing/2010/main" Requires="a14">
+      <mc:AlternateContent xmlns:mc="http://schemas.openxmlformats.org/markup-compatibility/2006" xmlns:a14="http://schemas.microsoft.com/office/drawing/2010/main">
+        <mc:Choice Requires="a14">
           <p:sp>
             <p:nvSpPr>
               <p:cNvPr id="5" name="TextBox 4">
@@ -21202,7 +21202,7 @@
             </p:txBody>
           </p:sp>
         </mc:Choice>
-        <mc:Fallback>
+        <mc:Fallback xmlns="">
           <p:sp>
             <p:nvSpPr>
               <p:cNvPr id="5" name="TextBox 4">
@@ -21247,8 +21247,8 @@
           </p:sp>
         </mc:Fallback>
       </mc:AlternateContent>
-      <mc:AlternateContent xmlns:mc="http://schemas.openxmlformats.org/markup-compatibility/2006">
-        <mc:Choice xmlns:a14="http://schemas.microsoft.com/office/drawing/2010/main" Requires="a14">
+      <mc:AlternateContent xmlns:mc="http://schemas.openxmlformats.org/markup-compatibility/2006" xmlns:a14="http://schemas.microsoft.com/office/drawing/2010/main">
+        <mc:Choice Requires="a14">
           <p:sp>
             <p:nvSpPr>
               <p:cNvPr id="8" name="TextBox 7">
@@ -21353,7 +21353,7 @@
             </p:txBody>
           </p:sp>
         </mc:Choice>
-        <mc:Fallback>
+        <mc:Fallback xmlns="">
           <p:sp>
             <p:nvSpPr>
               <p:cNvPr id="8" name="TextBox 7">
@@ -21523,8 +21523,8 @@
           </a:p>
         </p:txBody>
       </p:sp>
-      <mc:AlternateContent xmlns:mc="http://schemas.openxmlformats.org/markup-compatibility/2006">
-        <mc:Choice xmlns:a14="http://schemas.microsoft.com/office/drawing/2010/main" Requires="a14">
+      <mc:AlternateContent xmlns:mc="http://schemas.openxmlformats.org/markup-compatibility/2006" xmlns:a14="http://schemas.microsoft.com/office/drawing/2010/main">
+        <mc:Choice Requires="a14">
           <p:sp>
             <p:nvSpPr>
               <p:cNvPr id="5" name="TextBox 4">
@@ -21633,7 +21633,7 @@
             </p:txBody>
           </p:sp>
         </mc:Choice>
-        <mc:Fallback>
+        <mc:Fallback xmlns="">
           <p:sp>
             <p:nvSpPr>
               <p:cNvPr id="5" name="TextBox 4">
@@ -21678,8 +21678,8 @@
           </p:sp>
         </mc:Fallback>
       </mc:AlternateContent>
-      <mc:AlternateContent xmlns:mc="http://schemas.openxmlformats.org/markup-compatibility/2006">
-        <mc:Choice xmlns:a14="http://schemas.microsoft.com/office/drawing/2010/main" Requires="a14">
+      <mc:AlternateContent xmlns:mc="http://schemas.openxmlformats.org/markup-compatibility/2006" xmlns:a14="http://schemas.microsoft.com/office/drawing/2010/main">
+        <mc:Choice Requires="a14">
           <p:sp>
             <p:nvSpPr>
               <p:cNvPr id="8" name="TextBox 7">
@@ -21780,7 +21780,7 @@
             </p:txBody>
           </p:sp>
         </mc:Choice>
-        <mc:Fallback>
+        <mc:Fallback xmlns="">
           <p:sp>
             <p:nvSpPr>
               <p:cNvPr id="8" name="TextBox 7">
@@ -22250,8 +22250,8 @@
           </a:p>
         </p:txBody>
       </p:sp>
-      <mc:AlternateContent xmlns:mc="http://schemas.openxmlformats.org/markup-compatibility/2006">
-        <mc:Choice xmlns:a14="http://schemas.microsoft.com/office/drawing/2010/main" Requires="a14">
+      <mc:AlternateContent xmlns:mc="http://schemas.openxmlformats.org/markup-compatibility/2006" xmlns:a14="http://schemas.microsoft.com/office/drawing/2010/main">
+        <mc:Choice Requires="a14">
           <p:sp>
             <p:nvSpPr>
               <p:cNvPr id="22" name="TextBox 21">
@@ -22332,7 +22332,7 @@
             </p:txBody>
           </p:sp>
         </mc:Choice>
-        <mc:Fallback>
+        <mc:Fallback xmlns="">
           <p:sp>
             <p:nvSpPr>
               <p:cNvPr id="22" name="TextBox 21">
@@ -22382,8 +22382,8 @@
           </p:sp>
         </mc:Fallback>
       </mc:AlternateContent>
-      <mc:AlternateContent xmlns:mc="http://schemas.openxmlformats.org/markup-compatibility/2006">
-        <mc:Choice xmlns:a14="http://schemas.microsoft.com/office/drawing/2010/main" Requires="a14">
+      <mc:AlternateContent xmlns:mc="http://schemas.openxmlformats.org/markup-compatibility/2006" xmlns:a14="http://schemas.microsoft.com/office/drawing/2010/main">
+        <mc:Choice Requires="a14">
           <p:sp>
             <p:nvSpPr>
               <p:cNvPr id="23" name="TextBox 22">
@@ -22464,7 +22464,7 @@
             </p:txBody>
           </p:sp>
         </mc:Choice>
-        <mc:Fallback>
+        <mc:Fallback xmlns="">
           <p:sp>
             <p:nvSpPr>
               <p:cNvPr id="23" name="TextBox 22">
@@ -22514,8 +22514,8 @@
           </p:sp>
         </mc:Fallback>
       </mc:AlternateContent>
-      <mc:AlternateContent xmlns:mc="http://schemas.openxmlformats.org/markup-compatibility/2006">
-        <mc:Choice xmlns:a14="http://schemas.microsoft.com/office/drawing/2010/main" Requires="a14">
+      <mc:AlternateContent xmlns:mc="http://schemas.openxmlformats.org/markup-compatibility/2006" xmlns:a14="http://schemas.microsoft.com/office/drawing/2010/main">
+        <mc:Choice Requires="a14">
           <p:sp>
             <p:nvSpPr>
               <p:cNvPr id="24" name="TextBox 23">
@@ -22596,7 +22596,7 @@
             </p:txBody>
           </p:sp>
         </mc:Choice>
-        <mc:Fallback>
+        <mc:Fallback xmlns="">
           <p:sp>
             <p:nvSpPr>
               <p:cNvPr id="24" name="TextBox 23">
@@ -22646,8 +22646,8 @@
           </p:sp>
         </mc:Fallback>
       </mc:AlternateContent>
-      <mc:AlternateContent xmlns:mc="http://schemas.openxmlformats.org/markup-compatibility/2006">
-        <mc:Choice xmlns:a14="http://schemas.microsoft.com/office/drawing/2010/main" Requires="a14">
+      <mc:AlternateContent xmlns:mc="http://schemas.openxmlformats.org/markup-compatibility/2006" xmlns:a14="http://schemas.microsoft.com/office/drawing/2010/main">
+        <mc:Choice Requires="a14">
           <p:sp>
             <p:nvSpPr>
               <p:cNvPr id="25" name="TextBox 24">
@@ -22728,7 +22728,7 @@
             </p:txBody>
           </p:sp>
         </mc:Choice>
-        <mc:Fallback>
+        <mc:Fallback xmlns="">
           <p:sp>
             <p:nvSpPr>
               <p:cNvPr id="25" name="TextBox 24">
@@ -23604,6 +23604,15 @@
 </file>
 
 <file path=customXml/item2.xml><?xml version="1.0" encoding="utf-8"?>
+<?mso-contentType ?>
+<FormTemplates xmlns="http://schemas.microsoft.com/sharepoint/v3/contenttype/forms">
+  <Display>DocumentLibraryForm</Display>
+  <Edit>DocumentLibraryForm</Edit>
+  <New>DocumentLibraryForm</New>
+</FormTemplates>
+</file>
+
+<file path=customXml/item3.xml><?xml version="1.0" encoding="utf-8"?>
 <ct:contentTypeSchema xmlns:ct="http://schemas.microsoft.com/office/2006/metadata/contentType" xmlns:ma="http://schemas.microsoft.com/office/2006/metadata/properties/metaAttributes" ct:_="" ma:_="" ma:contentTypeName="Document" ma:contentTypeID="0x0101007188BDCA587B344BBA6CB1A93FAE6998" ma:contentTypeVersion="2" ma:contentTypeDescription="Create a new document." ma:contentTypeScope="" ma:versionID="7a8e4b6720badb2566a0cfeddfaf2856">
   <xsd:schema xmlns:xsd="http://www.w3.org/2001/XMLSchema" xmlns:xs="http://www.w3.org/2001/XMLSchema" xmlns:p="http://schemas.microsoft.com/office/2006/metadata/properties" xmlns:ns2="ba111d12-426d-4af0-bcb6-460e36974645" targetNamespace="http://schemas.microsoft.com/office/2006/metadata/properties" ma:root="true" ma:fieldsID="989b05398519136c88ba0a8d54e3c3da" ns2:_="">
     <xsd:import namespace="ba111d12-426d-4af0-bcb6-460e36974645"/>
@@ -23735,15 +23744,6 @@
 </ct:contentTypeSchema>
 </file>
 
-<file path=customXml/item3.xml><?xml version="1.0" encoding="utf-8"?>
-<?mso-contentType ?>
-<FormTemplates xmlns="http://schemas.microsoft.com/sharepoint/v3/contenttype/forms">
-  <Display>DocumentLibraryForm</Display>
-  <Edit>DocumentLibraryForm</Edit>
-  <New>DocumentLibraryForm</New>
-</FormTemplates>
-</file>
-
 <file path=customXml/itemProps1.xml><?xml version="1.0" encoding="utf-8"?>
 <ds:datastoreItem xmlns:ds="http://schemas.openxmlformats.org/officeDocument/2006/customXml" ds:itemID="{A05518A6-09E4-4E11-AE7D-4C13722BEBC7}">
   <ds:schemaRefs>
@@ -23754,6 +23754,14 @@
 </file>
 
 <file path=customXml/itemProps2.xml><?xml version="1.0" encoding="utf-8"?>
+<ds:datastoreItem xmlns:ds="http://schemas.openxmlformats.org/officeDocument/2006/customXml" ds:itemID="{AE0C03B0-3DE5-4BD9-B3BB-6E4919CD06B4}">
+  <ds:schemaRefs>
+    <ds:schemaRef ds:uri="http://schemas.microsoft.com/sharepoint/v3/contenttype/forms"/>
+  </ds:schemaRefs>
+</ds:datastoreItem>
+</file>
+
+<file path=customXml/itemProps3.xml><?xml version="1.0" encoding="utf-8"?>
 <ds:datastoreItem xmlns:ds="http://schemas.openxmlformats.org/officeDocument/2006/customXml" ds:itemID="{46BFEDF5-8B64-4FF5-9637-4791A1C152B8}">
   <ds:schemaRefs>
     <ds:schemaRef ds:uri="http://schemas.microsoft.com/office/2006/metadata/contentType"/>
@@ -23769,12 +23777,4 @@
     <ds:schemaRef ds:uri="http://schemas.microsoft.com/internal/obd"/>
   </ds:schemaRefs>
 </ds:datastoreItem>
-</file>
-
-<file path=customXml/itemProps3.xml><?xml version="1.0" encoding="utf-8"?>
-<ds:datastoreItem xmlns:ds="http://schemas.openxmlformats.org/officeDocument/2006/customXml" ds:itemID="{AE0C03B0-3DE5-4BD9-B3BB-6E4919CD06B4}">
-  <ds:schemaRefs>
-    <ds:schemaRef ds:uri="http://schemas.microsoft.com/sharepoint/v3/contenttype/forms"/>
-  </ds:schemaRefs>
-</ds:datastoreItem>
 </file>